--- a/design/personal-website-design.pptx
+++ b/design/personal-website-design.pptx
@@ -199,7 +199,7 @@
           <a:p>
             <a:fld id="{29628571-1C69-47E6-A600-4254240FB0E1}" type="datetimeFigureOut">
               <a:rPr lang="en-US" smtClean="0"/>
-              <a:t>9/8/2019</a:t>
+              <a:t>9/9/2019</a:t>
             </a:fld>
             <a:endParaRPr lang="en-US"/>
           </a:p>
@@ -681,7 +681,7 @@
           <a:p>
             <a:fld id="{178FF96D-EA93-4238-9479-A1AA8F8020D5}" type="datetimeFigureOut">
               <a:rPr lang="en-US" smtClean="0"/>
-              <a:t>9/8/2019</a:t>
+              <a:t>9/9/2019</a:t>
             </a:fld>
             <a:endParaRPr lang="en-US"/>
           </a:p>
@@ -851,7 +851,7 @@
           <a:p>
             <a:fld id="{178FF96D-EA93-4238-9479-A1AA8F8020D5}" type="datetimeFigureOut">
               <a:rPr lang="en-US" smtClean="0"/>
-              <a:t>9/8/2019</a:t>
+              <a:t>9/9/2019</a:t>
             </a:fld>
             <a:endParaRPr lang="en-US"/>
           </a:p>
@@ -1031,7 +1031,7 @@
           <a:p>
             <a:fld id="{178FF96D-EA93-4238-9479-A1AA8F8020D5}" type="datetimeFigureOut">
               <a:rPr lang="en-US" smtClean="0"/>
-              <a:t>9/8/2019</a:t>
+              <a:t>9/9/2019</a:t>
             </a:fld>
             <a:endParaRPr lang="en-US"/>
           </a:p>
@@ -1201,7 +1201,7 @@
           <a:p>
             <a:fld id="{178FF96D-EA93-4238-9479-A1AA8F8020D5}" type="datetimeFigureOut">
               <a:rPr lang="en-US" smtClean="0"/>
-              <a:t>9/8/2019</a:t>
+              <a:t>9/9/2019</a:t>
             </a:fld>
             <a:endParaRPr lang="en-US"/>
           </a:p>
@@ -1447,7 +1447,7 @@
           <a:p>
             <a:fld id="{178FF96D-EA93-4238-9479-A1AA8F8020D5}" type="datetimeFigureOut">
               <a:rPr lang="en-US" smtClean="0"/>
-              <a:t>9/8/2019</a:t>
+              <a:t>9/9/2019</a:t>
             </a:fld>
             <a:endParaRPr lang="en-US"/>
           </a:p>
@@ -1679,7 +1679,7 @@
           <a:p>
             <a:fld id="{178FF96D-EA93-4238-9479-A1AA8F8020D5}" type="datetimeFigureOut">
               <a:rPr lang="en-US" smtClean="0"/>
-              <a:t>9/8/2019</a:t>
+              <a:t>9/9/2019</a:t>
             </a:fld>
             <a:endParaRPr lang="en-US"/>
           </a:p>
@@ -2046,7 +2046,7 @@
           <a:p>
             <a:fld id="{178FF96D-EA93-4238-9479-A1AA8F8020D5}" type="datetimeFigureOut">
               <a:rPr lang="en-US" smtClean="0"/>
-              <a:t>9/8/2019</a:t>
+              <a:t>9/9/2019</a:t>
             </a:fld>
             <a:endParaRPr lang="en-US"/>
           </a:p>
@@ -2164,7 +2164,7 @@
           <a:p>
             <a:fld id="{178FF96D-EA93-4238-9479-A1AA8F8020D5}" type="datetimeFigureOut">
               <a:rPr lang="en-US" smtClean="0"/>
-              <a:t>9/8/2019</a:t>
+              <a:t>9/9/2019</a:t>
             </a:fld>
             <a:endParaRPr lang="en-US"/>
           </a:p>
@@ -2259,7 +2259,7 @@
           <a:p>
             <a:fld id="{178FF96D-EA93-4238-9479-A1AA8F8020D5}" type="datetimeFigureOut">
               <a:rPr lang="en-US" smtClean="0"/>
-              <a:t>9/8/2019</a:t>
+              <a:t>9/9/2019</a:t>
             </a:fld>
             <a:endParaRPr lang="en-US"/>
           </a:p>
@@ -2536,7 +2536,7 @@
           <a:p>
             <a:fld id="{178FF96D-EA93-4238-9479-A1AA8F8020D5}" type="datetimeFigureOut">
               <a:rPr lang="en-US" smtClean="0"/>
-              <a:t>9/8/2019</a:t>
+              <a:t>9/9/2019</a:t>
             </a:fld>
             <a:endParaRPr lang="en-US"/>
           </a:p>
@@ -2793,7 +2793,7 @@
           <a:p>
             <a:fld id="{178FF96D-EA93-4238-9479-A1AA8F8020D5}" type="datetimeFigureOut">
               <a:rPr lang="en-US" smtClean="0"/>
-              <a:t>9/8/2019</a:t>
+              <a:t>9/9/2019</a:t>
             </a:fld>
             <a:endParaRPr lang="en-US"/>
           </a:p>
@@ -3006,7 +3006,7 @@
           <a:p>
             <a:fld id="{178FF96D-EA93-4238-9479-A1AA8F8020D5}" type="datetimeFigureOut">
               <a:rPr lang="en-US" smtClean="0"/>
-              <a:t>9/8/2019</a:t>
+              <a:t>9/9/2019</a:t>
             </a:fld>
             <a:endParaRPr lang="en-US"/>
           </a:p>
@@ -4849,7 +4849,11 @@
           <a:prstGeom prst="line">
             <a:avLst/>
           </a:prstGeom>
-          <a:ln w="38100"/>
+          <a:ln w="38100">
+            <a:solidFill>
+              <a:srgbClr val="FF0000"/>
+            </a:solidFill>
+          </a:ln>
         </p:spPr>
         <p:style>
           <a:lnRef idx="1">
@@ -4888,7 +4892,11 @@
           <a:prstGeom prst="line">
             <a:avLst/>
           </a:prstGeom>
-          <a:ln w="38100"/>
+          <a:ln w="38100">
+            <a:solidFill>
+              <a:srgbClr val="FF0000"/>
+            </a:solidFill>
+          </a:ln>
         </p:spPr>
         <p:style>
           <a:lnRef idx="1">
@@ -4927,7 +4935,11 @@
           <a:prstGeom prst="line">
             <a:avLst/>
           </a:prstGeom>
-          <a:ln w="38100"/>
+          <a:ln w="38100">
+            <a:solidFill>
+              <a:srgbClr val="FF0000"/>
+            </a:solidFill>
+          </a:ln>
         </p:spPr>
         <p:style>
           <a:lnRef idx="1">
@@ -5086,7 +5098,7 @@
             <a:pPr algn="ctr"/>
             <a:r>
               <a:rPr lang="en-US" dirty="0"/>
-              <a:t>Click LinkedIn</a:t>
+              <a:t>Click LinkedIn icon</a:t>
             </a:r>
           </a:p>
         </p:txBody>
